--- a/microsoft-365/enterprise/media/teams-sharepoint-online-sites-highly-regulated-data/SharePoint-Sites-Highly-Regulated-Data.pptx
+++ b/microsoft-365/enterprise/media/teams-sharepoint-online-sites-highly-regulated-data/SharePoint-Sites-Highly-Regulated-Data.pptx
@@ -215,7 +215,7 @@
           <a:p>
             <a:fld id="{F6718B09-A5BF-4500-B7D0-AD2FFA08E103}" type="datetimeFigureOut">
               <a:rPr lang="en-US" smtClean="0"/>
-              <a:t>11/18/2019</a:t>
+              <a:t>12/18/2019</a:t>
             </a:fld>
             <a:endParaRPr lang="en-US" dirty="0"/>
           </a:p>
@@ -723,7 +723,7 @@
           <a:p>
             <a:fld id="{B12B58C5-0F7F-4864-91DB-0DCB63F031BB}" type="datetimeFigureOut">
               <a:rPr lang="en-US" smtClean="0"/>
-              <a:t>11/18/2019</a:t>
+              <a:t>12/18/2019</a:t>
             </a:fld>
             <a:endParaRPr lang="en-US" dirty="0"/>
           </a:p>
@@ -891,7 +891,7 @@
           <a:p>
             <a:fld id="{B12B58C5-0F7F-4864-91DB-0DCB63F031BB}" type="datetimeFigureOut">
               <a:rPr lang="en-US" smtClean="0"/>
-              <a:t>11/18/2019</a:t>
+              <a:t>12/18/2019</a:t>
             </a:fld>
             <a:endParaRPr lang="en-US" dirty="0"/>
           </a:p>
@@ -1069,7 +1069,7 @@
           <a:p>
             <a:fld id="{B12B58C5-0F7F-4864-91DB-0DCB63F031BB}" type="datetimeFigureOut">
               <a:rPr lang="en-US" smtClean="0"/>
-              <a:t>11/18/2019</a:t>
+              <a:t>12/18/2019</a:t>
             </a:fld>
             <a:endParaRPr lang="en-US" dirty="0"/>
           </a:p>
@@ -1237,7 +1237,7 @@
           <a:p>
             <a:fld id="{B12B58C5-0F7F-4864-91DB-0DCB63F031BB}" type="datetimeFigureOut">
               <a:rPr lang="en-US" smtClean="0"/>
-              <a:t>11/18/2019</a:t>
+              <a:t>12/18/2019</a:t>
             </a:fld>
             <a:endParaRPr lang="en-US" dirty="0"/>
           </a:p>
@@ -1480,7 +1480,7 @@
           <a:p>
             <a:fld id="{B12B58C5-0F7F-4864-91DB-0DCB63F031BB}" type="datetimeFigureOut">
               <a:rPr lang="en-US" smtClean="0"/>
-              <a:t>11/18/2019</a:t>
+              <a:t>12/18/2019</a:t>
             </a:fld>
             <a:endParaRPr lang="en-US" dirty="0"/>
           </a:p>
@@ -1709,7 +1709,7 @@
           <a:p>
             <a:fld id="{B12B58C5-0F7F-4864-91DB-0DCB63F031BB}" type="datetimeFigureOut">
               <a:rPr lang="en-US" smtClean="0"/>
-              <a:t>11/18/2019</a:t>
+              <a:t>12/18/2019</a:t>
             </a:fld>
             <a:endParaRPr lang="en-US" dirty="0"/>
           </a:p>
@@ -2073,7 +2073,7 @@
           <a:p>
             <a:fld id="{B12B58C5-0F7F-4864-91DB-0DCB63F031BB}" type="datetimeFigureOut">
               <a:rPr lang="en-US" smtClean="0"/>
-              <a:t>11/18/2019</a:t>
+              <a:t>12/18/2019</a:t>
             </a:fld>
             <a:endParaRPr lang="en-US" dirty="0"/>
           </a:p>
@@ -2190,7 +2190,7 @@
           <a:p>
             <a:fld id="{B12B58C5-0F7F-4864-91DB-0DCB63F031BB}" type="datetimeFigureOut">
               <a:rPr lang="en-US" smtClean="0"/>
-              <a:t>11/18/2019</a:t>
+              <a:t>12/18/2019</a:t>
             </a:fld>
             <a:endParaRPr lang="en-US" dirty="0"/>
           </a:p>
@@ -2285,7 +2285,7 @@
           <a:p>
             <a:fld id="{B12B58C5-0F7F-4864-91DB-0DCB63F031BB}" type="datetimeFigureOut">
               <a:rPr lang="en-US" smtClean="0"/>
-              <a:t>11/18/2019</a:t>
+              <a:t>12/18/2019</a:t>
             </a:fld>
             <a:endParaRPr lang="en-US" dirty="0"/>
           </a:p>
@@ -2560,7 +2560,7 @@
           <a:p>
             <a:fld id="{B12B58C5-0F7F-4864-91DB-0DCB63F031BB}" type="datetimeFigureOut">
               <a:rPr lang="en-US" smtClean="0"/>
-              <a:t>11/18/2019</a:t>
+              <a:t>12/18/2019</a:t>
             </a:fld>
             <a:endParaRPr lang="en-US" dirty="0"/>
           </a:p>
@@ -2815,7 +2815,7 @@
           <a:p>
             <a:fld id="{B12B58C5-0F7F-4864-91DB-0DCB63F031BB}" type="datetimeFigureOut">
               <a:rPr lang="en-US" smtClean="0"/>
-              <a:t>11/18/2019</a:t>
+              <a:t>12/18/2019</a:t>
             </a:fld>
             <a:endParaRPr lang="en-US" dirty="0"/>
           </a:p>
@@ -3026,7 +3026,7 @@
           <a:p>
             <a:fld id="{B12B58C5-0F7F-4864-91DB-0DCB63F031BB}" type="datetimeFigureOut">
               <a:rPr lang="en-US" smtClean="0"/>
-              <a:t>11/18/2019</a:t>
+              <a:t>12/18/2019</a:t>
             </a:fld>
             <a:endParaRPr lang="en-US" dirty="0"/>
           </a:p>
@@ -3897,7 +3897,7 @@
                 <a:latin typeface="Segoe Pro Semibold" panose="020B0502040504020203"/>
                 <a:cs typeface="Segoe UI" panose="020B0502040204020203" pitchFamily="34" charset="0"/>
               </a:rPr>
-              <a:t>SharePoint sites for highly regulated data with Microsoft 365 Enterprise</a:t>
+              <a:t>SharePoint sites for highly regulated data with Microsoft 365 for enterprise</a:t>
             </a:r>
             <a:endParaRPr lang="en-US" sz="2500" b="1" dirty="0">
               <a:solidFill>
@@ -3995,7 +3995,7 @@
         <p:spPr>
           <a:xfrm>
             <a:off x="306256" y="1946373"/>
-            <a:ext cx="5967148" cy="1200329"/>
+            <a:ext cx="5967148" cy="1384995"/>
           </a:xfrm>
           <a:prstGeom prst="rect">
             <a:avLst/>
@@ -4013,7 +4013,21 @@
                 <a:latin typeface="Segoe UI" panose="020B0502040204020203" pitchFamily="34" charset="0"/>
                 <a:cs typeface="Segoe UI" panose="020B0502040204020203" pitchFamily="34" charset="0"/>
               </a:rPr>
-              <a:t>A SharePoint site for highly regulated data with Microsoft 365 Enterprise combines the built-in features and security of a private SharePoint team site with additional access restrictions, retention labels, Data Loss Prevention (DLP) policies, and sensitivity labels.</a:t>
+              <a:t>A SharePoint site for highly regulated data with </a:t>
+            </a:r>
+            <a:r>
+              <a:rPr lang="en-US" sz="1200">
+                <a:latin typeface="Segoe UI" panose="020B0502040204020203" pitchFamily="34" charset="0"/>
+                <a:cs typeface="Segoe UI" panose="020B0502040204020203" pitchFamily="34" charset="0"/>
+              </a:rPr>
+              <a:t>Microsoft 365 for enterprise </a:t>
+            </a:r>
+            <a:r>
+              <a:rPr lang="en-US" sz="1200" dirty="0">
+                <a:latin typeface="Segoe UI" panose="020B0502040204020203" pitchFamily="34" charset="0"/>
+                <a:cs typeface="Segoe UI" panose="020B0502040204020203" pitchFamily="34" charset="0"/>
+              </a:rPr>
+              <a:t>combines the built-in features and security of a private SharePoint team site with additional access restrictions, retention labels, Data Loss Prevention (DLP) policies, and sensitivity labels.</a:t>
             </a:r>
           </a:p>
           <a:p>
@@ -16511,6 +16525,21 @@
 </file>
 
 <file path=customXml/item1.xml><?xml version="1.0" encoding="utf-8"?>
+<p:properties xmlns:p="http://schemas.microsoft.com/office/2006/metadata/properties" xmlns:xsi="http://www.w3.org/2001/XMLSchema-instance" xmlns:pc="http://schemas.microsoft.com/office/infopath/2007/PartnerControls">
+  <documentManagement/>
+</p:properties>
+</file>
+
+<file path=customXml/item2.xml><?xml version="1.0" encoding="utf-8"?>
+<?mso-contentType ?>
+<FormTemplates xmlns="http://schemas.microsoft.com/sharepoint/v3/contenttype/forms">
+  <Display>DocumentLibraryForm</Display>
+  <Edit>DocumentLibraryForm</Edit>
+  <New>DocumentLibraryForm</New>
+</FormTemplates>
+</file>
+
+<file path=customXml/item3.xml><?xml version="1.0" encoding="utf-8"?>
 <ct:contentTypeSchema xmlns:ct="http://schemas.microsoft.com/office/2006/metadata/contentType" xmlns:ma="http://schemas.microsoft.com/office/2006/metadata/properties/metaAttributes" ct:_="" ma:_="" ma:contentTypeName="Document" ma:contentTypeID="0x01010073E9097417BC06428B857BB2E2408EBD" ma:contentTypeVersion="12" ma:contentTypeDescription="Create a new document." ma:contentTypeScope="" ma:versionID="35108cc4c900b17ce1118a57939fca63">
   <xsd:schema xmlns:xsd="http://www.w3.org/2001/XMLSchema" xmlns:xs="http://www.w3.org/2001/XMLSchema" xmlns:p="http://schemas.microsoft.com/office/2006/metadata/properties" xmlns:ns2="dbe27416-6867-469e-b165-f931b8d0abb8" xmlns:ns3="ea29863e-484f-4213-8a5e-7e6fb110a695" targetNamespace="http://schemas.microsoft.com/office/2006/metadata/properties" ma:root="true" ma:fieldsID="f69bfe83e99db3943eb8ca5a0a4551da" ns2:_="" ns3:_="">
     <xsd:import namespace="dbe27416-6867-469e-b165-f931b8d0abb8"/>
@@ -16727,22 +16756,32 @@
 </ct:contentTypeSchema>
 </file>
 
-<file path=customXml/item2.xml><?xml version="1.0" encoding="utf-8"?>
-<?mso-contentType ?>
-<FormTemplates xmlns="http://schemas.microsoft.com/sharepoint/v3/contenttype/forms">
-  <Display>DocumentLibraryForm</Display>
-  <Edit>DocumentLibraryForm</Edit>
-  <New>DocumentLibraryForm</New>
-</FormTemplates>
+<file path=customXml/itemProps1.xml><?xml version="1.0" encoding="utf-8"?>
+<ds:datastoreItem xmlns:ds="http://schemas.openxmlformats.org/officeDocument/2006/customXml" ds:itemID="{EAA32202-B781-4BD0-910F-3EDB23528A7E}">
+  <ds:schemaRefs>
+    <ds:schemaRef ds:uri="http://purl.org/dc/elements/1.1/"/>
+    <ds:schemaRef ds:uri="http://schemas.microsoft.com/office/infopath/2007/PartnerControls"/>
+    <ds:schemaRef ds:uri="dbe27416-6867-469e-b165-f931b8d0abb8"/>
+    <ds:schemaRef ds:uri="http://schemas.microsoft.com/office/2006/documentManagement/types"/>
+    <ds:schemaRef ds:uri="http://purl.org/dc/dcmitype/"/>
+    <ds:schemaRef ds:uri="http://www.w3.org/XML/1998/namespace"/>
+    <ds:schemaRef ds:uri="http://schemas.openxmlformats.org/package/2006/metadata/core-properties"/>
+    <ds:schemaRef ds:uri="ea29863e-484f-4213-8a5e-7e6fb110a695"/>
+    <ds:schemaRef ds:uri="http://schemas.microsoft.com/office/2006/metadata/properties"/>
+    <ds:schemaRef ds:uri="http://purl.org/dc/terms/"/>
+  </ds:schemaRefs>
+</ds:datastoreItem>
 </file>
 
-<file path=customXml/item3.xml><?xml version="1.0" encoding="utf-8"?>
-<p:properties xmlns:p="http://schemas.microsoft.com/office/2006/metadata/properties" xmlns:xsi="http://www.w3.org/2001/XMLSchema-instance" xmlns:pc="http://schemas.microsoft.com/office/infopath/2007/PartnerControls">
-  <documentManagement/>
-</p:properties>
+<file path=customXml/itemProps2.xml><?xml version="1.0" encoding="utf-8"?>
+<ds:datastoreItem xmlns:ds="http://schemas.openxmlformats.org/officeDocument/2006/customXml" ds:itemID="{2690FBA1-4C54-44EA-9FC4-73C5783857EC}">
+  <ds:schemaRefs>
+    <ds:schemaRef ds:uri="http://schemas.microsoft.com/sharepoint/v3/contenttype/forms"/>
+  </ds:schemaRefs>
+</ds:datastoreItem>
 </file>
 
-<file path=customXml/itemProps1.xml><?xml version="1.0" encoding="utf-8"?>
+<file path=customXml/itemProps3.xml><?xml version="1.0" encoding="utf-8"?>
 <ds:datastoreItem xmlns:ds="http://schemas.openxmlformats.org/officeDocument/2006/customXml" ds:itemID="{E3BB812B-2F79-4745-8531-1AD5CD729426}">
   <ds:schemaRefs>
     <ds:schemaRef ds:uri="http://schemas.microsoft.com/office/2006/metadata/contentType"/>
@@ -16759,29 +16798,4 @@
     <ds:schemaRef ds:uri="http://schemas.microsoft.com/internal/obd"/>
   </ds:schemaRefs>
 </ds:datastoreItem>
-</file>
-
-<file path=customXml/itemProps2.xml><?xml version="1.0" encoding="utf-8"?>
-<ds:datastoreItem xmlns:ds="http://schemas.openxmlformats.org/officeDocument/2006/customXml" ds:itemID="{2690FBA1-4C54-44EA-9FC4-73C5783857EC}">
-  <ds:schemaRefs>
-    <ds:schemaRef ds:uri="http://schemas.microsoft.com/sharepoint/v3/contenttype/forms"/>
-  </ds:schemaRefs>
-</ds:datastoreItem>
-</file>
-
-<file path=customXml/itemProps3.xml><?xml version="1.0" encoding="utf-8"?>
-<ds:datastoreItem xmlns:ds="http://schemas.openxmlformats.org/officeDocument/2006/customXml" ds:itemID="{EAA32202-B781-4BD0-910F-3EDB23528A7E}">
-  <ds:schemaRefs>
-    <ds:schemaRef ds:uri="http://schemas.openxmlformats.org/package/2006/metadata/core-properties"/>
-    <ds:schemaRef ds:uri="http://www.w3.org/XML/1998/namespace"/>
-    <ds:schemaRef ds:uri="http://purl.org/dc/dcmitype/"/>
-    <ds:schemaRef ds:uri="http://schemas.microsoft.com/office/2006/metadata/properties"/>
-    <ds:schemaRef ds:uri="http://schemas.microsoft.com/office/infopath/2007/PartnerControls"/>
-    <ds:schemaRef ds:uri="http://schemas.microsoft.com/office/2006/documentManagement/types"/>
-    <ds:schemaRef ds:uri="http://purl.org/dc/elements/1.1/"/>
-    <ds:schemaRef ds:uri="dbe27416-6867-469e-b165-f931b8d0abb8"/>
-    <ds:schemaRef ds:uri="ea29863e-484f-4213-8a5e-7e6fb110a695"/>
-    <ds:schemaRef ds:uri="http://purl.org/dc/terms/"/>
-  </ds:schemaRefs>
-</ds:datastoreItem>
 </file>